--- a/chapters/socksdirect/images/scalable_rdma.pptx
+++ b/chapters/socksdirect/images/scalable_rdma.pptx
@@ -104,6 +104,11 @@
       </a:defRPr>
     </a:lvl9pPr>
   </p:defaultTextStyle>
+  <p:extLst>
+    <p:ext uri="{EFAFB233-063F-42B5-8137-9DF3F51BA10A}">
+      <p15:sldGuideLst xmlns:p15="http://schemas.microsoft.com/office/powerpoint/2012/main"/>
+    </p:ext>
+  </p:extLst>
 </p:presentation>
 </file>
 
@@ -254,7 +259,7 @@
           <a:p>
             <a:fld id="{DD19CB24-9ACE-428D-86B7-259499B4BE12}" type="datetimeFigureOut">
               <a:rPr lang="en-US" smtClean="0"/>
-              <a:t>4/19/2019</a:t>
+              <a:t>5/18/2019</a:t>
             </a:fld>
             <a:endParaRPr lang="en-US"/>
           </a:p>
@@ -452,7 +457,7 @@
           <a:p>
             <a:fld id="{DD19CB24-9ACE-428D-86B7-259499B4BE12}" type="datetimeFigureOut">
               <a:rPr lang="en-US" smtClean="0"/>
-              <a:t>4/19/2019</a:t>
+              <a:t>5/18/2019</a:t>
             </a:fld>
             <a:endParaRPr lang="en-US"/>
           </a:p>
@@ -660,7 +665,7 @@
           <a:p>
             <a:fld id="{DD19CB24-9ACE-428D-86B7-259499B4BE12}" type="datetimeFigureOut">
               <a:rPr lang="en-US" smtClean="0"/>
-              <a:t>4/19/2019</a:t>
+              <a:t>5/18/2019</a:t>
             </a:fld>
             <a:endParaRPr lang="en-US"/>
           </a:p>
@@ -858,7 +863,7 @@
           <a:p>
             <a:fld id="{DD19CB24-9ACE-428D-86B7-259499B4BE12}" type="datetimeFigureOut">
               <a:rPr lang="en-US" smtClean="0"/>
-              <a:t>4/19/2019</a:t>
+              <a:t>5/18/2019</a:t>
             </a:fld>
             <a:endParaRPr lang="en-US"/>
           </a:p>
@@ -1133,7 +1138,7 @@
           <a:p>
             <a:fld id="{DD19CB24-9ACE-428D-86B7-259499B4BE12}" type="datetimeFigureOut">
               <a:rPr lang="en-US" smtClean="0"/>
-              <a:t>4/19/2019</a:t>
+              <a:t>5/18/2019</a:t>
             </a:fld>
             <a:endParaRPr lang="en-US"/>
           </a:p>
@@ -1398,7 +1403,7 @@
           <a:p>
             <a:fld id="{DD19CB24-9ACE-428D-86B7-259499B4BE12}" type="datetimeFigureOut">
               <a:rPr lang="en-US" smtClean="0"/>
-              <a:t>4/19/2019</a:t>
+              <a:t>5/18/2019</a:t>
             </a:fld>
             <a:endParaRPr lang="en-US"/>
           </a:p>
@@ -1810,7 +1815,7 @@
           <a:p>
             <a:fld id="{DD19CB24-9ACE-428D-86B7-259499B4BE12}" type="datetimeFigureOut">
               <a:rPr lang="en-US" smtClean="0"/>
-              <a:t>4/19/2019</a:t>
+              <a:t>5/18/2019</a:t>
             </a:fld>
             <a:endParaRPr lang="en-US"/>
           </a:p>
@@ -1951,7 +1956,7 @@
           <a:p>
             <a:fld id="{DD19CB24-9ACE-428D-86B7-259499B4BE12}" type="datetimeFigureOut">
               <a:rPr lang="en-US" smtClean="0"/>
-              <a:t>4/19/2019</a:t>
+              <a:t>5/18/2019</a:t>
             </a:fld>
             <a:endParaRPr lang="en-US"/>
           </a:p>
@@ -2064,7 +2069,7 @@
           <a:p>
             <a:fld id="{DD19CB24-9ACE-428D-86B7-259499B4BE12}" type="datetimeFigureOut">
               <a:rPr lang="en-US" smtClean="0"/>
-              <a:t>4/19/2019</a:t>
+              <a:t>5/18/2019</a:t>
             </a:fld>
             <a:endParaRPr lang="en-US"/>
           </a:p>
@@ -2375,7 +2380,7 @@
           <a:p>
             <a:fld id="{DD19CB24-9ACE-428D-86B7-259499B4BE12}" type="datetimeFigureOut">
               <a:rPr lang="en-US" smtClean="0"/>
-              <a:t>4/19/2019</a:t>
+              <a:t>5/18/2019</a:t>
             </a:fld>
             <a:endParaRPr lang="en-US"/>
           </a:p>
@@ -2663,7 +2668,7 @@
           <a:p>
             <a:fld id="{DD19CB24-9ACE-428D-86B7-259499B4BE12}" type="datetimeFigureOut">
               <a:rPr lang="en-US" smtClean="0"/>
-              <a:t>4/19/2019</a:t>
+              <a:t>5/18/2019</a:t>
             </a:fld>
             <a:endParaRPr lang="en-US"/>
           </a:p>
@@ -2904,7 +2909,7 @@
           <a:p>
             <a:fld id="{DD19CB24-9ACE-428D-86B7-259499B4BE12}" type="datetimeFigureOut">
               <a:rPr lang="en-US" smtClean="0"/>
-              <a:t>4/19/2019</a:t>
+              <a:t>5/18/2019</a:t>
             </a:fld>
             <a:endParaRPr lang="en-US"/>
           </a:p>
@@ -3323,56 +3328,6 @@
       </p:grpSpPr>
       <p:sp>
         <p:nvSpPr>
-          <p:cNvPr id="2" name="Title 1">
-            <a:extLst>
-              <a:ext uri="{FF2B5EF4-FFF2-40B4-BE49-F238E27FC236}">
-                <a16:creationId xmlns:a16="http://schemas.microsoft.com/office/drawing/2014/main" id="{D771CC01-261E-46F7-8227-7B653E5051C8}"/>
-              </a:ext>
-            </a:extLst>
-          </p:cNvPr>
-          <p:cNvSpPr>
-            <a:spLocks noGrp="1"/>
-          </p:cNvSpPr>
-          <p:nvPr>
-            <p:ph type="ctrTitle"/>
-          </p:nvPr>
-        </p:nvSpPr>
-        <p:spPr/>
-        <p:txBody>
-          <a:bodyPr/>
-          <a:lstStyle/>
-          <a:p>
-            <a:endParaRPr lang="en-US"/>
-          </a:p>
-        </p:txBody>
-      </p:sp>
-      <p:sp>
-        <p:nvSpPr>
-          <p:cNvPr id="3" name="Subtitle 2">
-            <a:extLst>
-              <a:ext uri="{FF2B5EF4-FFF2-40B4-BE49-F238E27FC236}">
-                <a16:creationId xmlns:a16="http://schemas.microsoft.com/office/drawing/2014/main" id="{0F5C12B3-4A91-45D9-8D65-C3B900A47C93}"/>
-              </a:ext>
-            </a:extLst>
-          </p:cNvPr>
-          <p:cNvSpPr>
-            <a:spLocks noGrp="1"/>
-          </p:cNvSpPr>
-          <p:nvPr>
-            <p:ph type="subTitle" idx="1"/>
-          </p:nvPr>
-        </p:nvSpPr>
-        <p:spPr/>
-        <p:txBody>
-          <a:bodyPr/>
-          <a:lstStyle/>
-          <a:p>
-            <a:endParaRPr lang="en-US"/>
-          </a:p>
-        </p:txBody>
-      </p:sp>
-      <p:sp>
-        <p:nvSpPr>
           <p:cNvPr id="4" name="TextBox 3">
             <a:extLst>
               <a:ext uri="{FF2B5EF4-FFF2-40B4-BE49-F238E27FC236}">
@@ -4248,7 +4203,7 @@
                   <a:lin ang="5400000" scaled="0"/>
                 </a:gradFill>
               </a:rPr>
-              <a:t>发送命令处理单元</a:t>
+              <a:t>主机命令处理单元</a:t>
             </a:r>
             <a:endParaRPr lang="en-US" sz="1600" dirty="0">
               <a:gradFill>
@@ -4330,7 +4285,7 @@
                   <a:lin ang="5400000" scaled="0"/>
                 </a:gradFill>
               </a:rPr>
-              <a:t>接收</a:t>
+              <a:t>数据包</a:t>
             </a:r>
             <a:br>
               <a:rPr lang="en-US" altLang="zh-CN" sz="1600" dirty="0">
@@ -4443,7 +4398,7 @@
                   <a:lin ang="5400000" scaled="0"/>
                 </a:gradFill>
               </a:rPr>
-              <a:t>发送数据</a:t>
+              <a:t>主机数据</a:t>
             </a:r>
             <a:br>
               <a:rPr lang="en-US" altLang="zh-CN" sz="1600" dirty="0">
@@ -4713,7 +4668,7 @@
                   <a:lin ang="5400000" scaled="0"/>
                 </a:gradFill>
               </a:rPr>
-              <a:t>发送</a:t>
+              <a:t>读</a:t>
             </a:r>
             <a:br>
               <a:rPr lang="en-US" altLang="zh-CN" sz="1600" dirty="0">
@@ -4936,7 +4891,7 @@
                   <a:lin ang="5400000" scaled="0"/>
                 </a:gradFill>
               </a:rPr>
-              <a:t>接收</a:t>
+              <a:t>写</a:t>
             </a:r>
             <a:br>
               <a:rPr lang="en-US" altLang="zh-CN" sz="1600" dirty="0">
@@ -5748,7 +5703,7 @@
         </p:nvSpPr>
         <p:spPr>
           <a:xfrm>
-            <a:off x="4790165" y="3467117"/>
+            <a:off x="5463511" y="3468905"/>
             <a:ext cx="1791196" cy="461665"/>
           </a:xfrm>
           <a:prstGeom prst="rect">
@@ -5784,7 +5739,7 @@
                   <a:lin ang="5400000" scaled="0"/>
                 </a:gradFill>
               </a:rPr>
-              <a:t>从主机内存</a:t>
+              <a:t>从主机内存 </a:t>
             </a:r>
             <a:r>
               <a:rPr lang="en-US" altLang="zh-CN" sz="1200" dirty="0">
@@ -6674,6 +6629,257 @@
               <a:t>信道</a:t>
             </a:r>
             <a:endParaRPr lang="en-US" sz="1200" dirty="0" err="1">
+              <a:gradFill>
+                <a:gsLst>
+                  <a:gs pos="2917">
+                    <a:schemeClr val="tx1"/>
+                  </a:gs>
+                  <a:gs pos="30000">
+                    <a:schemeClr val="tx1"/>
+                  </a:gs>
+                </a:gsLst>
+                <a:lin ang="5400000" scaled="0"/>
+              </a:gradFill>
+            </a:endParaRPr>
+          </a:p>
+        </p:txBody>
+      </p:sp>
+      <p:cxnSp>
+        <p:nvCxnSpPr>
+          <p:cNvPr id="47" name="Straight Arrow Connector 46">
+            <a:extLst>
+              <a:ext uri="{FF2B5EF4-FFF2-40B4-BE49-F238E27FC236}">
+                <a16:creationId xmlns:a16="http://schemas.microsoft.com/office/drawing/2014/main" id="{6386B81D-2336-444B-85AB-FC39DABC4D1F}"/>
+              </a:ext>
+            </a:extLst>
+          </p:cNvPr>
+          <p:cNvCxnSpPr>
+            <a:cxnSpLocks/>
+            <a:stCxn id="15" idx="3"/>
+            <a:endCxn id="20" idx="1"/>
+          </p:cNvCxnSpPr>
+          <p:nvPr/>
+        </p:nvCxnSpPr>
+        <p:spPr>
+          <a:xfrm flipV="1">
+            <a:off x="5349081" y="3195813"/>
+            <a:ext cx="419098" cy="1151317"/>
+          </a:xfrm>
+          <a:prstGeom prst="straightConnector1">
+            <a:avLst/>
+          </a:prstGeom>
+          <a:ln w="28575">
+            <a:solidFill>
+              <a:schemeClr val="tx1"/>
+            </a:solidFill>
+            <a:headEnd type="none"/>
+            <a:tailEnd type="triangle"/>
+          </a:ln>
+        </p:spPr>
+        <p:style>
+          <a:lnRef idx="1">
+            <a:schemeClr val="accent1"/>
+          </a:lnRef>
+          <a:fillRef idx="0">
+            <a:schemeClr val="accent1"/>
+          </a:fillRef>
+          <a:effectRef idx="0">
+            <a:schemeClr val="accent1"/>
+          </a:effectRef>
+          <a:fontRef idx="minor">
+            <a:schemeClr val="tx1"/>
+          </a:fontRef>
+        </p:style>
+      </p:cxnSp>
+      <p:sp>
+        <p:nvSpPr>
+          <p:cNvPr id="50" name="TextBox 49">
+            <a:extLst>
+              <a:ext uri="{FF2B5EF4-FFF2-40B4-BE49-F238E27FC236}">
+                <a16:creationId xmlns:a16="http://schemas.microsoft.com/office/drawing/2014/main" id="{8A1C737B-1622-450D-93F5-9C05A1C17F63}"/>
+              </a:ext>
+            </a:extLst>
+          </p:cNvPr>
+          <p:cNvSpPr txBox="1"/>
+          <p:nvPr/>
+        </p:nvSpPr>
+        <p:spPr>
+          <a:xfrm>
+            <a:off x="5272525" y="3872529"/>
+            <a:ext cx="667490" cy="461665"/>
+          </a:xfrm>
+          <a:prstGeom prst="rect">
+            <a:avLst/>
+          </a:prstGeom>
+          <a:noFill/>
+        </p:spPr>
+        <p:txBody>
+          <a:bodyPr wrap="none" lIns="182880" tIns="146304" rIns="182880" bIns="146304" rtlCol="0">
+            <a:spAutoFit/>
+          </a:bodyPr>
+          <a:lstStyle/>
+          <a:p>
+            <a:pPr algn="r">
+              <a:lnSpc>
+                <a:spcPct val="90000"/>
+              </a:lnSpc>
+              <a:spcAft>
+                <a:spcPts val="600"/>
+              </a:spcAft>
+            </a:pPr>
+            <a:r>
+              <a:rPr lang="en-US" altLang="zh-CN" sz="1200" dirty="0">
+                <a:gradFill>
+                  <a:gsLst>
+                    <a:gs pos="2917">
+                      <a:schemeClr val="tx1"/>
+                    </a:gs>
+                    <a:gs pos="30000">
+                      <a:schemeClr val="tx1"/>
+                    </a:gs>
+                  </a:gsLst>
+                  <a:lin ang="5400000" scaled="0"/>
+                </a:gradFill>
+              </a:rPr>
+              <a:t>send</a:t>
+            </a:r>
+            <a:endParaRPr lang="en-US" sz="1200" dirty="0">
+              <a:gradFill>
+                <a:gsLst>
+                  <a:gs pos="2917">
+                    <a:schemeClr val="tx1"/>
+                  </a:gs>
+                  <a:gs pos="30000">
+                    <a:schemeClr val="tx1"/>
+                  </a:gs>
+                </a:gsLst>
+                <a:lin ang="5400000" scaled="0"/>
+              </a:gradFill>
+            </a:endParaRPr>
+          </a:p>
+        </p:txBody>
+      </p:sp>
+      <p:sp>
+        <p:nvSpPr>
+          <p:cNvPr id="51" name="TextBox 50">
+            <a:extLst>
+              <a:ext uri="{FF2B5EF4-FFF2-40B4-BE49-F238E27FC236}">
+                <a16:creationId xmlns:a16="http://schemas.microsoft.com/office/drawing/2014/main" id="{1A9F4585-C7CB-4CD9-AAF7-C3D4992A5EDC}"/>
+              </a:ext>
+            </a:extLst>
+          </p:cNvPr>
+          <p:cNvSpPr txBox="1"/>
+          <p:nvPr/>
+        </p:nvSpPr>
+        <p:spPr>
+          <a:xfrm>
+            <a:off x="5231241" y="4224340"/>
+            <a:ext cx="694677" cy="461665"/>
+          </a:xfrm>
+          <a:prstGeom prst="rect">
+            <a:avLst/>
+          </a:prstGeom>
+          <a:noFill/>
+        </p:spPr>
+        <p:txBody>
+          <a:bodyPr wrap="none" lIns="182880" tIns="146304" rIns="182880" bIns="146304" rtlCol="0">
+            <a:spAutoFit/>
+          </a:bodyPr>
+          <a:lstStyle/>
+          <a:p>
+            <a:pPr algn="r">
+              <a:lnSpc>
+                <a:spcPct val="90000"/>
+              </a:lnSpc>
+              <a:spcAft>
+                <a:spcPts val="600"/>
+              </a:spcAft>
+            </a:pPr>
+            <a:r>
+              <a:rPr lang="en-US" altLang="zh-CN" sz="1200" dirty="0">
+                <a:gradFill>
+                  <a:gsLst>
+                    <a:gs pos="2917">
+                      <a:schemeClr val="tx1"/>
+                    </a:gs>
+                    <a:gs pos="30000">
+                      <a:schemeClr val="tx1"/>
+                    </a:gs>
+                  </a:gsLst>
+                  <a:lin ang="5400000" scaled="0"/>
+                </a:gradFill>
+              </a:rPr>
+              <a:t>write</a:t>
+            </a:r>
+            <a:endParaRPr lang="en-US" sz="1200" dirty="0">
+              <a:gradFill>
+                <a:gsLst>
+                  <a:gs pos="2917">
+                    <a:schemeClr val="tx1"/>
+                  </a:gs>
+                  <a:gs pos="30000">
+                    <a:schemeClr val="tx1"/>
+                  </a:gs>
+                </a:gsLst>
+                <a:lin ang="5400000" scaled="0"/>
+              </a:gradFill>
+            </a:endParaRPr>
+          </a:p>
+        </p:txBody>
+      </p:sp>
+      <p:sp>
+        <p:nvSpPr>
+          <p:cNvPr id="52" name="TextBox 51">
+            <a:extLst>
+              <a:ext uri="{FF2B5EF4-FFF2-40B4-BE49-F238E27FC236}">
+                <a16:creationId xmlns:a16="http://schemas.microsoft.com/office/drawing/2014/main" id="{12CA9451-B5FF-4A4E-BF76-2E1A193AC4D9}"/>
+              </a:ext>
+            </a:extLst>
+          </p:cNvPr>
+          <p:cNvSpPr txBox="1"/>
+          <p:nvPr/>
+        </p:nvSpPr>
+        <p:spPr>
+          <a:xfrm>
+            <a:off x="5069886" y="4820565"/>
+            <a:ext cx="694677" cy="461665"/>
+          </a:xfrm>
+          <a:prstGeom prst="rect">
+            <a:avLst/>
+          </a:prstGeom>
+          <a:noFill/>
+        </p:spPr>
+        <p:txBody>
+          <a:bodyPr wrap="none" lIns="182880" tIns="146304" rIns="182880" bIns="146304" rtlCol="0">
+            <a:spAutoFit/>
+          </a:bodyPr>
+          <a:lstStyle/>
+          <a:p>
+            <a:pPr algn="r">
+              <a:lnSpc>
+                <a:spcPct val="90000"/>
+              </a:lnSpc>
+              <a:spcAft>
+                <a:spcPts val="600"/>
+              </a:spcAft>
+            </a:pPr>
+            <a:r>
+              <a:rPr lang="en-US" altLang="zh-CN" sz="1200" dirty="0">
+                <a:gradFill>
+                  <a:gsLst>
+                    <a:gs pos="2917">
+                      <a:schemeClr val="tx1"/>
+                    </a:gs>
+                    <a:gs pos="30000">
+                      <a:schemeClr val="tx1"/>
+                    </a:gs>
+                  </a:gsLst>
+                  <a:lin ang="5400000" scaled="0"/>
+                </a:gradFill>
+              </a:rPr>
+              <a:t>write</a:t>
+            </a:r>
+            <a:endParaRPr lang="en-US" sz="1200" dirty="0">
               <a:gradFill>
                 <a:gsLst>
                   <a:gs pos="2917">
@@ -8006,6 +8212,114 @@
                                   </p:childTnLst>
                                 </p:cTn>
                               </p:par>
+                              <p:par>
+                                <p:cTn id="105" presetID="1" presetClass="entr" presetSubtype="0" fill="hold" nodeType="withEffect">
+                                  <p:stCondLst>
+                                    <p:cond delay="0"/>
+                                  </p:stCondLst>
+                                  <p:childTnLst>
+                                    <p:set>
+                                      <p:cBhvr>
+                                        <p:cTn id="106" dur="1" fill="hold">
+                                          <p:stCondLst>
+                                            <p:cond delay="0"/>
+                                          </p:stCondLst>
+                                        </p:cTn>
+                                        <p:tgtEl>
+                                          <p:spTgt spid="47"/>
+                                        </p:tgtEl>
+                                        <p:attrNameLst>
+                                          <p:attrName>style.visibility</p:attrName>
+                                        </p:attrNameLst>
+                                      </p:cBhvr>
+                                      <p:to>
+                                        <p:strVal val="visible"/>
+                                      </p:to>
+                                    </p:set>
+                                  </p:childTnLst>
+                                </p:cTn>
+                              </p:par>
+                              <p:par>
+                                <p:cTn id="107" presetID="1" presetClass="entr" presetSubtype="0" fill="hold" grpId="0" nodeType="withEffect">
+                                  <p:stCondLst>
+                                    <p:cond delay="0"/>
+                                  </p:stCondLst>
+                                  <p:childTnLst>
+                                    <p:set>
+                                      <p:cBhvr>
+                                        <p:cTn id="108" dur="1" fill="hold">
+                                          <p:stCondLst>
+                                            <p:cond delay="0"/>
+                                          </p:stCondLst>
+                                        </p:cTn>
+                                        <p:tgtEl>
+                                          <p:spTgt spid="50"/>
+                                        </p:tgtEl>
+                                        <p:attrNameLst>
+                                          <p:attrName>style.visibility</p:attrName>
+                                        </p:attrNameLst>
+                                      </p:cBhvr>
+                                      <p:to>
+                                        <p:strVal val="visible"/>
+                                      </p:to>
+                                    </p:set>
+                                  </p:childTnLst>
+                                </p:cTn>
+                              </p:par>
+                              <p:par>
+                                <p:cTn id="109" presetID="1" presetClass="entr" presetSubtype="0" fill="hold" grpId="0" nodeType="withEffect">
+                                  <p:stCondLst>
+                                    <p:cond delay="0"/>
+                                  </p:stCondLst>
+                                  <p:childTnLst>
+                                    <p:set>
+                                      <p:cBhvr>
+                                        <p:cTn id="110" dur="1" fill="hold">
+                                          <p:stCondLst>
+                                            <p:cond delay="0"/>
+                                          </p:stCondLst>
+                                        </p:cTn>
+                                        <p:tgtEl>
+                                          <p:spTgt spid="51"/>
+                                        </p:tgtEl>
+                                        <p:attrNameLst>
+                                          <p:attrName>style.visibility</p:attrName>
+                                        </p:attrNameLst>
+                                      </p:cBhvr>
+                                      <p:to>
+                                        <p:strVal val="visible"/>
+                                      </p:to>
+                                    </p:set>
+                                  </p:childTnLst>
+                                </p:cTn>
+                              </p:par>
+                              <p:par>
+                                <p:cTn id="111" presetID="1" presetClass="entr" presetSubtype="0" fill="hold" grpId="0" nodeType="withEffect">
+                                  <p:stCondLst>
+                                    <p:cond delay="0"/>
+                                  </p:stCondLst>
+                                  <p:childTnLst>
+                                    <p:set>
+                                      <p:cBhvr>
+                                        <p:cTn id="112" dur="1" fill="hold">
+                                          <p:stCondLst>
+                                            <p:cond delay="0"/>
+                                          </p:stCondLst>
+                                        </p:cTn>
+                                        <p:tgtEl>
+                                          <p:spTgt spid="52"/>
+                                        </p:tgtEl>
+                                        <p:attrNameLst>
+                                          <p:attrName>style.visibility</p:attrName>
+                                        </p:attrNameLst>
+                                      </p:cBhvr>
+                                      <p:to>
+                                        <p:strVal val="visible"/>
+                                      </p:to>
+                                    </p:set>
+                                  </p:childTnLst>
+                                </p:cTn>
+                              </p:par>
                             </p:childTnLst>
                           </p:cTn>
                         </p:par>
@@ -8059,6 +8373,9 @@
       <p:bldP spid="42" grpId="0" animBg="1"/>
       <p:bldP spid="45" grpId="0"/>
       <p:bldP spid="46" grpId="0"/>
+      <p:bldP spid="50" grpId="0"/>
+      <p:bldP spid="51" grpId="0"/>
+      <p:bldP spid="52" grpId="0"/>
     </p:bldLst>
   </p:timing>
 </p:sld>
